--- a/figures/GUI.pptx
+++ b/figures/GUI.pptx
@@ -6201,9 +6201,14 @@
               <a:buNone/>
             </a:pPr>
             <a:r>
-              <a:rPr lang="en" sz="1800"/>
-              <a:t>I’m interested in getting a BJ</a:t>
+              <a:rPr lang="en" sz="1800" dirty="0"/>
+              <a:t>I’m interested in getting a </a:t>
             </a:r>
+            <a:r>
+              <a:rPr lang="en" sz="1800" dirty="0" smtClean="0"/>
+              <a:t>ride</a:t>
+            </a:r>
+            <a:endParaRPr lang="en" sz="1800" dirty="0"/>
           </a:p>
         </p:txBody>
       </p:sp>
@@ -6283,8 +6288,13 @@
             </a:pPr>
             <a:r>
               <a:rPr lang="en" sz="1800"/>
-              <a:t>I’m interested in giving a BJ</a:t>
+              <a:t>I’m interested in giving a </a:t>
             </a:r>
+            <a:r>
+              <a:rPr lang="en" sz="1800" smtClean="0"/>
+              <a:t>ride</a:t>
+            </a:r>
+            <a:endParaRPr lang="en" sz="1800"/>
           </a:p>
         </p:txBody>
       </p:sp>
